--- a/Youngchan/제안서 발표ppt 구조도.pptx
+++ b/Youngchan/제안서 발표ppt 구조도.pptx
@@ -764,7 +764,35 @@
             </a:r>
             <a:r>
               <a:rPr lang="ko-KR" altLang="en-US" dirty="0"/>
-              <a:t>소형화 및 실제 사용시 감지</a:t>
+              <a:t>소형화</a:t>
+            </a:r>
+            <a:r>
+              <a:rPr lang="en-US" altLang="ko-KR" dirty="0"/>
+              <a:t>, </a:t>
+            </a:r>
+            <a:r>
+              <a:rPr lang="ko-KR" altLang="en-US" dirty="0"/>
+              <a:t>저전력 </a:t>
+            </a:r>
+            <a:r>
+              <a:rPr lang="en-US" altLang="ko-KR" dirty="0"/>
+              <a:t>NB-</a:t>
+            </a:r>
+            <a:r>
+              <a:rPr lang="en-US" altLang="ko-KR" dirty="0" err="1"/>
+              <a:t>iot</a:t>
+            </a:r>
+            <a:r>
+              <a:rPr lang="ko-KR" altLang="en-US" dirty="0"/>
+              <a:t>통신</a:t>
+            </a:r>
+            <a:r>
+              <a:rPr lang="en-US" altLang="ko-KR" dirty="0"/>
+              <a:t>, </a:t>
+            </a:r>
+            <a:r>
+              <a:rPr lang="ko-KR" altLang="en-US" dirty="0"/>
+              <a:t>실제 사용시 센싱</a:t>
             </a:r>
             <a:endParaRPr lang="en-US" altLang="ko-KR" dirty="0"/>
           </a:p>
@@ -794,7 +822,15 @@
             </a:r>
             <a:r>
               <a:rPr lang="ko-KR" altLang="en-US" dirty="0"/>
-              <a:t>센서와 블루투스 통신하여 센서 와이파이 설정</a:t>
+              <a:t>센서와 블루투스 통신하여 센서 </a:t>
+            </a:r>
+            <a:r>
+              <a:rPr lang="en-US" altLang="ko-KR" dirty="0"/>
+              <a:t>NB-IoT</a:t>
+            </a:r>
+            <a:r>
+              <a:rPr lang="ko-KR" altLang="en-US" dirty="0"/>
+              <a:t>연결</a:t>
             </a:r>
           </a:p>
           <a:p>
@@ -5978,8 +6014,8 @@
         </p:nvCxnSpPr>
         <p:spPr>
           <a:xfrm flipV="1">
-            <a:off x="3998622" y="2722222"/>
-            <a:ext cx="1151447" cy="25610"/>
+            <a:off x="3819412" y="2727996"/>
+            <a:ext cx="1510546" cy="17225"/>
           </a:xfrm>
           <a:prstGeom prst="straightConnector1">
             <a:avLst/>
@@ -6169,36 +6205,6 @@
       </p:cxnSp>
       <p:pic>
         <p:nvPicPr>
-          <p:cNvPr id="33" name="그림 32">
-            <a:extLst>
-              <a:ext uri="{FF2B5EF4-FFF2-40B4-BE49-F238E27FC236}">
-                <a16:creationId xmlns:a16="http://schemas.microsoft.com/office/drawing/2014/main" id="{15B27605-F766-49A9-9BAE-59D6DA955F3A}"/>
-              </a:ext>
-            </a:extLst>
-          </p:cNvPr>
-          <p:cNvPicPr>
-            <a:picLocks noChangeAspect="1"/>
-          </p:cNvPicPr>
-          <p:nvPr/>
-        </p:nvPicPr>
-        <p:blipFill>
-          <a:blip r:embed="rId4"/>
-          <a:stretch>
-            <a:fillRect/>
-          </a:stretch>
-        </p:blipFill>
-        <p:spPr>
-          <a:xfrm>
-            <a:off x="4383818" y="2274609"/>
-            <a:ext cx="381053" cy="381053"/>
-          </a:xfrm>
-          <a:prstGeom prst="rect">
-            <a:avLst/>
-          </a:prstGeom>
-        </p:spPr>
-      </p:pic>
-      <p:pic>
-        <p:nvPicPr>
           <p:cNvPr id="34" name="그래픽 33" descr="스마트폰">
             <a:extLst>
               <a:ext uri="{FF2B5EF4-FFF2-40B4-BE49-F238E27FC236}">
@@ -6212,10 +6218,10 @@
           <p:nvPr/>
         </p:nvPicPr>
         <p:blipFill>
-          <a:blip r:embed="rId5">
+          <a:blip r:embed="rId4">
             <a:extLst>
               <a:ext uri="{96DAC541-7B7A-43D3-8B79-37D633B846F1}">
-                <asvg:svgBlip xmlns:asvg="http://schemas.microsoft.com/office/drawing/2016/SVG/main" r:embed="rId6"/>
+                <asvg:svgBlip xmlns:asvg="http://schemas.microsoft.com/office/drawing/2016/SVG/main" r:embed="rId5"/>
               </a:ext>
             </a:extLst>
           </a:blip>
@@ -6248,10 +6254,10 @@
           <p:nvPr/>
         </p:nvPicPr>
         <p:blipFill>
-          <a:blip r:embed="rId7">
+          <a:blip r:embed="rId6">
             <a:extLst>
               <a:ext uri="{96DAC541-7B7A-43D3-8B79-37D633B846F1}">
-                <asvg:svgBlip xmlns:asvg="http://schemas.microsoft.com/office/drawing/2016/SVG/main" r:embed="rId8"/>
+                <asvg:svgBlip xmlns:asvg="http://schemas.microsoft.com/office/drawing/2016/SVG/main" r:embed="rId7"/>
               </a:ext>
             </a:extLst>
           </a:blip>
@@ -6284,10 +6290,10 @@
           <p:nvPr/>
         </p:nvPicPr>
         <p:blipFill>
-          <a:blip r:embed="rId9">
+          <a:blip r:embed="rId8">
             <a:extLst>
               <a:ext uri="{96DAC541-7B7A-43D3-8B79-37D633B846F1}">
-                <asvg:svgBlip xmlns:asvg="http://schemas.microsoft.com/office/drawing/2016/SVG/main" r:embed="rId10"/>
+                <asvg:svgBlip xmlns:asvg="http://schemas.microsoft.com/office/drawing/2016/SVG/main" r:embed="rId9"/>
               </a:ext>
             </a:extLst>
           </a:blip>
@@ -6320,7 +6326,7 @@
           <p:nvPr/>
         </p:nvPicPr>
         <p:blipFill>
-          <a:blip r:embed="rId11"/>
+          <a:blip r:embed="rId10"/>
           <a:stretch>
             <a:fillRect/>
           </a:stretch>
@@ -6350,7 +6356,7 @@
           <p:nvPr/>
         </p:nvPicPr>
         <p:blipFill>
-          <a:blip r:embed="rId12">
+          <a:blip r:embed="rId11">
             <a:extLst>
               <a:ext uri="{28A0092B-C50C-407E-A947-70E740481C1C}">
                 <a14:useLocalDpi xmlns:a14="http://schemas.microsoft.com/office/drawing/2010/main" val="0"/>
@@ -6438,14 +6444,14 @@
           <p:nvPr/>
         </p:nvPicPr>
         <p:blipFill>
-          <a:blip r:embed="rId13"/>
+          <a:blip r:embed="rId12"/>
           <a:stretch>
             <a:fillRect/>
           </a:stretch>
         </p:blipFill>
         <p:spPr>
           <a:xfrm>
-            <a:off x="4875082" y="752924"/>
+            <a:off x="5029774" y="733310"/>
             <a:ext cx="5104098" cy="3043370"/>
           </a:xfrm>
           <a:prstGeom prst="rect">
@@ -6468,7 +6474,7 @@
           <p:nvPr/>
         </p:nvPicPr>
         <p:blipFill>
-          <a:blip r:embed="rId14"/>
+          <a:blip r:embed="rId13"/>
           <a:stretch>
             <a:fillRect/>
           </a:stretch>
@@ -6498,7 +6504,7 @@
           <p:nvPr/>
         </p:nvPicPr>
         <p:blipFill>
-          <a:blip r:embed="rId14"/>
+          <a:blip r:embed="rId13"/>
           <a:stretch>
             <a:fillRect/>
           </a:stretch>
@@ -6528,7 +6534,7 @@
           <p:nvPr/>
         </p:nvPicPr>
         <p:blipFill>
-          <a:blip r:embed="rId14"/>
+          <a:blip r:embed="rId13"/>
           <a:stretch>
             <a:fillRect/>
           </a:stretch>
@@ -6558,15 +6564,45 @@
           <p:nvPr/>
         </p:nvPicPr>
         <p:blipFill>
+          <a:blip r:embed="rId13"/>
+          <a:stretch>
+            <a:fillRect/>
+          </a:stretch>
+        </p:blipFill>
+        <p:spPr>
+          <a:xfrm rot="10800000">
+            <a:off x="2506952" y="2986036"/>
+            <a:ext cx="381053" cy="381053"/>
+          </a:xfrm>
+          <a:prstGeom prst="rect">
+            <a:avLst/>
+          </a:prstGeom>
+        </p:spPr>
+      </p:pic>
+      <p:pic>
+        <p:nvPicPr>
+          <p:cNvPr id="3" name="그림 2">
+            <a:extLst>
+              <a:ext uri="{FF2B5EF4-FFF2-40B4-BE49-F238E27FC236}">
+                <a16:creationId xmlns:a16="http://schemas.microsoft.com/office/drawing/2014/main" id="{5497036A-5719-4044-A956-37DE8FB761D8}"/>
+              </a:ext>
+            </a:extLst>
+          </p:cNvPr>
+          <p:cNvPicPr>
+            <a:picLocks noChangeAspect="1"/>
+          </p:cNvPicPr>
+          <p:nvPr/>
+        </p:nvPicPr>
+        <p:blipFill>
           <a:blip r:embed="rId14"/>
           <a:stretch>
             <a:fillRect/>
           </a:stretch>
         </p:blipFill>
         <p:spPr>
-          <a:xfrm rot="10800000">
-            <a:off x="2506952" y="2986036"/>
-            <a:ext cx="381053" cy="381053"/>
+          <a:xfrm>
+            <a:off x="4058088" y="2407026"/>
+            <a:ext cx="971686" cy="253737"/>
           </a:xfrm>
           <a:prstGeom prst="rect">
             <a:avLst/>

--- a/Youngchan/제안서 발표ppt 구조도.pptx
+++ b/Youngchan/제안서 발표ppt 구조도.pptx
@@ -754,6 +754,23 @@
           <a:bodyPr/>
           <a:lstStyle/>
           <a:p>
+            <a:pPr marL="0" marR="0" lvl="0" indent="0" algn="l" defTabSz="914400" rtl="0" eaLnBrk="1" fontAlgn="auto" latinLnBrk="1" hangingPunct="1">
+              <a:lnSpc>
+                <a:spcPct val="100000"/>
+              </a:lnSpc>
+              <a:spcBef>
+                <a:spcPts val="0"/>
+              </a:spcBef>
+              <a:spcAft>
+                <a:spcPts val="0"/>
+              </a:spcAft>
+              <a:buClrTx/>
+              <a:buSzTx/>
+              <a:buFontTx/>
+              <a:buNone/>
+              <a:tabLst/>
+              <a:defRPr/>
+            </a:pPr>
             <a:r>
               <a:rPr lang="ko-KR" altLang="en-US" dirty="0"/>
               <a:t>센서 </a:t>
@@ -791,8 +808,52 @@
               <a:t>, </a:t>
             </a:r>
             <a:r>
-              <a:rPr lang="ko-KR" altLang="en-US" dirty="0"/>
-              <a:t>실제 사용시 센싱</a:t>
+              <a:rPr lang="en-US" altLang="ko-KR" dirty="0" err="1"/>
+              <a:t>Lipo</a:t>
+            </a:r>
+            <a:r>
+              <a:rPr lang="ko-KR" altLang="en-US" dirty="0"/>
+              <a:t>배터리 </a:t>
+            </a:r>
+            <a:r>
+              <a:rPr lang="en-US" altLang="ko-KR" dirty="0"/>
+              <a:t>-&gt; </a:t>
+            </a:r>
+            <a:r>
+              <a:rPr lang="en-US" altLang="ko-KR" sz="1200" kern="1200" dirty="0">
+                <a:solidFill>
+                  <a:schemeClr val="tx1"/>
+                </a:solidFill>
+                <a:effectLst/>
+                <a:latin typeface="+mn-lt"/>
+                <a:ea typeface="+mn-ea"/>
+                <a:cs typeface="+mn-cs"/>
+              </a:rPr>
+              <a:t>Rechargeable </a:t>
+            </a:r>
+            <a:r>
+              <a:rPr lang="ko-KR" altLang="en-US" sz="1200" kern="1200" dirty="0">
+                <a:solidFill>
+                  <a:schemeClr val="tx1"/>
+                </a:solidFill>
+                <a:effectLst/>
+                <a:latin typeface="+mn-lt"/>
+                <a:ea typeface="+mn-ea"/>
+                <a:cs typeface="+mn-cs"/>
+              </a:rPr>
+              <a:t>소형 센서</a:t>
+            </a:r>
+            <a:r>
+              <a:rPr lang="en-US" altLang="ko-KR" sz="1200" kern="1200" dirty="0">
+                <a:solidFill>
+                  <a:schemeClr val="tx1"/>
+                </a:solidFill>
+                <a:effectLst/>
+                <a:latin typeface="+mn-lt"/>
+                <a:ea typeface="+mn-ea"/>
+                <a:cs typeface="+mn-cs"/>
+              </a:rPr>
+              <a:t>  </a:t>
             </a:r>
             <a:endParaRPr lang="en-US" altLang="ko-KR" dirty="0"/>
           </a:p>
